--- a/misc/Final Presentation.pptx
+++ b/misc/Final Presentation.pptx
@@ -22,7 +22,7 @@
   <p:notesSz cx="6858000" cy="9144000"/>
   <p:embeddedFontLst>
     <p:embeddedFont>
-      <p:font typeface="Barlow Light" charset="0"/>
+      <p:font typeface="Raleway SemiBold" charset="0"/>
       <p:regular r:id="rId12"/>
       <p:bold r:id="rId13"/>
       <p:italic r:id="rId14"/>
@@ -36,7 +36,7 @@
       <p:boldItalic r:id="rId19"/>
     </p:embeddedFont>
     <p:embeddedFont>
-      <p:font typeface="Raleway" charset="0"/>
+      <p:font typeface="Barlow Light" charset="0"/>
       <p:regular r:id="rId20"/>
       <p:bold r:id="rId21"/>
       <p:italic r:id="rId22"/>
@@ -50,7 +50,7 @@
       <p:boldItalic r:id="rId27"/>
     </p:embeddedFont>
     <p:embeddedFont>
-      <p:font typeface="Raleway SemiBold" charset="0"/>
+      <p:font typeface="Raleway" charset="0"/>
       <p:regular r:id="rId28"/>
       <p:bold r:id="rId29"/>
       <p:italic r:id="rId30"/>
@@ -6557,15 +6557,6 @@
               </a:rPr>
               <a:t>~350 unique grid combinations (~1750 fits)</a:t>
             </a:r>
-            <a:endParaRPr lang="en-CA" dirty="0">
-              <a:solidFill>
-                <a:schemeClr val="tx1"/>
-              </a:solidFill>
-              <a:latin typeface="Raleway SemiBold"/>
-              <a:ea typeface="Raleway SemiBold"/>
-              <a:cs typeface="Raleway SemiBold"/>
-              <a:sym typeface="Raleway SemiBold"/>
-            </a:endParaRPr>
           </a:p>
         </p:txBody>
       </p:sp>
@@ -6774,13 +6765,6 @@
             <a:reflection blurRad="12700" stA="38000" endPos="28000" dist="5000" dir="5400000" sy="-100000" algn="bl" rotWithShape="0"/>
           </a:effectLst>
           <a:extLst>
-            <a:ext uri="{909E8E84-426E-40DD-AFC4-6F175D3DCCD1}">
-              <a14:hiddenFill xmlns:a14="http://schemas.microsoft.com/office/drawing/2010/main">
-                <a:solidFill>
-                  <a:schemeClr val="accent1"/>
-                </a:solidFill>
-              </a14:hiddenFill>
-            </a:ext>
             <a:ext uri="{91240B29-F687-4F45-9708-019B960494DF}">
               <a14:hiddenLine xmlns:a14="http://schemas.microsoft.com/office/drawing/2010/main" w="9525">
                 <a:solidFill>
@@ -6924,47 +6908,6 @@
           </a:p>
         </p:txBody>
       </p:sp>
-      <p:pic>
-        <p:nvPicPr>
-          <p:cNvPr id="3074" name="Picture 2" descr="C:\Users\olive\Downloads\stadistics.png"/>
-          <p:cNvPicPr>
-            <a:picLocks noChangeAspect="1" noChangeArrowheads="1"/>
-          </p:cNvPicPr>
-          <p:nvPr/>
-        </p:nvPicPr>
-        <p:blipFill>
-          <a:blip r:embed="rId3">
-            <a:extLst>
-              <a:ext uri="{28A0092B-C50C-407E-A947-70E740481C1C}">
-                <a14:useLocalDpi xmlns:a14="http://schemas.microsoft.com/office/drawing/2010/main" val="0"/>
-              </a:ext>
-            </a:extLst>
-          </a:blip>
-          <a:srcRect/>
-          <a:stretch>
-            <a:fillRect/>
-          </a:stretch>
-        </p:blipFill>
-        <p:spPr bwMode="auto">
-          <a:xfrm>
-            <a:off x="6732240" y="195486"/>
-            <a:ext cx="1440160" cy="1440160"/>
-          </a:xfrm>
-          <a:prstGeom prst="rect">
-            <a:avLst/>
-          </a:prstGeom>
-          <a:noFill/>
-          <a:extLst>
-            <a:ext uri="{909E8E84-426E-40DD-AFC4-6F175D3DCCD1}">
-              <a14:hiddenFill xmlns:a14="http://schemas.microsoft.com/office/drawing/2010/main">
-                <a:solidFill>
-                  <a:srgbClr val="FFFFFF"/>
-                </a:solidFill>
-              </a14:hiddenFill>
-            </a:ext>
-          </a:extLst>
-        </p:spPr>
-      </p:pic>
       <p:graphicFrame>
         <p:nvGraphicFramePr>
           <p:cNvPr id="3" name="Table 2"/>
@@ -6974,14 +6917,14 @@
           <p:nvPr>
             <p:extLst>
               <p:ext uri="{D42A27DB-BD31-4B8C-83A1-F6EECF244321}">
-                <p14:modId xmlns:p14="http://schemas.microsoft.com/office/powerpoint/2010/main" val="3442035581"/>
+                <p14:modId xmlns:p14="http://schemas.microsoft.com/office/powerpoint/2010/main" val="3611881375"/>
               </p:ext>
             </p:extLst>
           </p:nvPr>
         </p:nvGraphicFramePr>
         <p:xfrm>
-          <a:off x="395536" y="2016606"/>
-          <a:ext cx="8136903" cy="2499360"/>
+          <a:off x="395536" y="1491630"/>
+          <a:ext cx="8136901" cy="2976776"/>
         </p:xfrm>
         <a:graphic>
           <a:graphicData uri="http://schemas.openxmlformats.org/drawingml/2006/table">
@@ -6990,10 +6933,11 @@
                 <a:tableStyleId>{69012ECD-51FC-41F1-AA8D-1B2483CD663E}</a:tableStyleId>
               </a:tblPr>
               <a:tblGrid>
-                <a:gridCol w="2719884"/>
-                <a:gridCol w="1805673"/>
-                <a:gridCol w="1805673"/>
-                <a:gridCol w="1805673"/>
+                <a:gridCol w="2160240"/>
+                <a:gridCol w="1728192"/>
+                <a:gridCol w="1872208"/>
+                <a:gridCol w="1152128"/>
+                <a:gridCol w="1224133"/>
               </a:tblGrid>
               <a:tr h="370840">
                 <a:tc>
@@ -7081,139 +7025,13 @@
                         <a:rPr lang="en-CA" dirty="0" smtClean="0">
                           <a:latin typeface="Raleway SemiBold" charset="0"/>
                         </a:rPr>
-                        <a:t>Submission Accuracy</a:t>
-                      </a:r>
-                      <a:endParaRPr lang="en-CA" dirty="0">
-                        <a:latin typeface="Raleway SemiBold" charset="0"/>
-                      </a:endParaRPr>
-                    </a:p>
-                  </a:txBody>
-                  <a:tcPr anchor="ctr"/>
-                </a:tc>
-              </a:tr>
-              <a:tr h="370840">
-                <a:tc>
-                  <a:txBody>
-                    <a:bodyPr/>
-                    <a:lstStyle/>
-                    <a:p>
-                      <a:pPr algn="ctr"/>
-                      <a:r>
-                        <a:rPr lang="en-CA" dirty="0" smtClean="0">
-                          <a:latin typeface="Raleway SemiBold" charset="0"/>
-                        </a:rPr>
-                        <a:t>Hot Encoding</a:t>
+                        <a:t>Scoring</a:t>
                       </a:r>
                       <a:r>
                         <a:rPr lang="en-CA" baseline="0" dirty="0" smtClean="0">
                           <a:latin typeface="Raleway SemiBold" charset="0"/>
                         </a:rPr>
-                        <a:t> &amp; Median Imputer</a:t>
-                      </a:r>
-                      <a:endParaRPr lang="en-CA" dirty="0">
-                        <a:latin typeface="Raleway SemiBold" charset="0"/>
-                      </a:endParaRPr>
-                    </a:p>
-                  </a:txBody>
-                  <a:tcPr anchor="ctr"/>
-                </a:tc>
-                <a:tc>
-                  <a:txBody>
-                    <a:bodyPr/>
-                    <a:lstStyle/>
-                    <a:p>
-                      <a:pPr algn="ctr"/>
-                      <a:r>
-                        <a:rPr lang="en-CA" dirty="0" smtClean="0">
-                          <a:solidFill>
-                            <a:schemeClr val="tx1"/>
-                          </a:solidFill>
-                          <a:latin typeface="Raleway SemiBold" charset="0"/>
-                        </a:rPr>
-                        <a:t>None</a:t>
-                      </a:r>
-                      <a:endParaRPr lang="en-CA" dirty="0">
-                        <a:solidFill>
-                          <a:schemeClr val="tx1"/>
-                        </a:solidFill>
-                        <a:latin typeface="Raleway SemiBold" charset="0"/>
-                      </a:endParaRPr>
-                    </a:p>
-                  </a:txBody>
-                  <a:tcPr anchor="ctr"/>
-                </a:tc>
-                <a:tc>
-                  <a:txBody>
-                    <a:bodyPr/>
-                    <a:lstStyle/>
-                    <a:p>
-                      <a:pPr algn="ctr"/>
-                      <a:r>
-                        <a:rPr lang="en-CA" dirty="0" smtClean="0">
-                          <a:solidFill>
-                            <a:schemeClr val="tx1"/>
-                          </a:solidFill>
-                          <a:latin typeface="Raleway SemiBold" charset="0"/>
-                        </a:rPr>
-                        <a:t>Bagging Classifier (Decision</a:t>
-                      </a:r>
-                      <a:r>
-                        <a:rPr lang="en-CA" baseline="0" dirty="0" smtClean="0">
-                          <a:solidFill>
-                            <a:schemeClr val="tx1"/>
-                          </a:solidFill>
-                          <a:latin typeface="Raleway SemiBold" charset="0"/>
-                        </a:rPr>
-                        <a:t> Tree Estimator)</a:t>
-                      </a:r>
-                      <a:endParaRPr lang="en-CA" dirty="0">
-                        <a:solidFill>
-                          <a:schemeClr val="tx1"/>
-                        </a:solidFill>
-                        <a:latin typeface="Raleway SemiBold" charset="0"/>
-                      </a:endParaRPr>
-                    </a:p>
-                  </a:txBody>
-                  <a:tcPr anchor="ctr"/>
-                </a:tc>
-                <a:tc>
-                  <a:txBody>
-                    <a:bodyPr/>
-                    <a:lstStyle/>
-                    <a:p>
-                      <a:pPr algn="ctr"/>
-                      <a:r>
-                        <a:rPr lang="en-CA" dirty="0" smtClean="0">
-                          <a:solidFill>
-                            <a:schemeClr val="tx1"/>
-                          </a:solidFill>
-                          <a:latin typeface="Raleway SemiBold" charset="0"/>
-                        </a:rPr>
-                        <a:t>0.91459</a:t>
-                      </a:r>
-                      <a:endParaRPr lang="en-CA" dirty="0">
-                        <a:solidFill>
-                          <a:schemeClr val="tx1"/>
-                        </a:solidFill>
-                        <a:latin typeface="Raleway SemiBold" charset="0"/>
-                      </a:endParaRPr>
-                    </a:p>
-                  </a:txBody>
-                  <a:tcPr anchor="ctr"/>
-                </a:tc>
-              </a:tr>
-              <a:tr h="370840">
-                <a:tc>
-                  <a:txBody>
-                    <a:bodyPr/>
-                    <a:lstStyle/>
-                    <a:p>
-                      <a:pPr algn="ctr"/>
-                      <a:r>
-                        <a:rPr lang="en-CA" dirty="0" smtClean="0">
-                          <a:latin typeface="Raleway SemiBold" charset="0"/>
-                        </a:rPr>
-                        <a:t>Hot Encoding &amp; Median Imputer</a:t>
+                        <a:t> Metric</a:t>
                       </a:r>
                       <a:endParaRPr lang="en-CA" dirty="0">
                         <a:latin typeface="Raleway SemiBold" charset="0"/>
@@ -7232,15 +7050,36 @@
                         <a:rPr lang="en-CA" dirty="0" smtClean="0">
                           <a:latin typeface="Raleway SemiBold" charset="0"/>
                         </a:rPr>
-                        <a:t>SelectFromModel</a:t>
+                        <a:t>Score</a:t>
+                      </a:r>
+                      <a:endParaRPr lang="en-CA" dirty="0">
+                        <a:latin typeface="Raleway SemiBold" charset="0"/>
+                      </a:endParaRPr>
+                    </a:p>
+                  </a:txBody>
+                  <a:tcPr anchor="ctr"/>
+                </a:tc>
+              </a:tr>
+              <a:tr h="685056">
+                <a:tc>
+                  <a:txBody>
+                    <a:bodyPr/>
+                    <a:lstStyle/>
+                    <a:p>
+                      <a:pPr algn="ctr"/>
+                      <a:r>
+                        <a:rPr lang="en-CA" sz="1200" dirty="0" smtClean="0">
+                          <a:latin typeface="Raleway SemiBold" charset="0"/>
+                        </a:rPr>
+                        <a:t>Hot Encoding</a:t>
                       </a:r>
                       <a:r>
-                        <a:rPr lang="en-CA" baseline="0" dirty="0" smtClean="0">
+                        <a:rPr lang="en-CA" sz="1200" baseline="0" dirty="0" smtClean="0">
                           <a:latin typeface="Raleway SemiBold" charset="0"/>
                         </a:rPr>
-                        <a:t> with 0.5*mean threshold</a:t>
+                        <a:t> &amp; Median Imputer</a:t>
                       </a:r>
-                      <a:endParaRPr lang="en-CA" dirty="0">
+                      <a:endParaRPr lang="en-CA" sz="1200" dirty="0">
                         <a:latin typeface="Raleway SemiBold" charset="0"/>
                       </a:endParaRPr>
                     </a:p>
@@ -7254,12 +7093,18 @@
                     <a:p>
                       <a:pPr algn="ctr"/>
                       <a:r>
-                        <a:rPr lang="en-CA" dirty="0" smtClean="0">
+                        <a:rPr lang="en-CA" sz="1200" dirty="0" smtClean="0">
+                          <a:solidFill>
+                            <a:schemeClr val="tx1"/>
+                          </a:solidFill>
                           <a:latin typeface="Raleway SemiBold" charset="0"/>
                         </a:rPr>
-                        <a:t>Random Forrest Classifier</a:t>
+                        <a:t>None</a:t>
                       </a:r>
-                      <a:endParaRPr lang="en-CA" dirty="0">
+                      <a:endParaRPr lang="en-CA" sz="1200" dirty="0">
+                        <a:solidFill>
+                          <a:schemeClr val="tx1"/>
+                        </a:solidFill>
                         <a:latin typeface="Raleway SemiBold" charset="0"/>
                       </a:endParaRPr>
                     </a:p>
@@ -7273,12 +7118,180 @@
                     <a:p>
                       <a:pPr algn="ctr"/>
                       <a:r>
-                        <a:rPr lang="en-CA" dirty="0" smtClean="0">
+                        <a:rPr lang="en-CA" sz="1200" dirty="0" smtClean="0">
+                          <a:solidFill>
+                            <a:schemeClr val="tx1"/>
+                          </a:solidFill>
+                          <a:latin typeface="Raleway SemiBold" charset="0"/>
+                        </a:rPr>
+                        <a:t>Bagging Classifier (Decision</a:t>
+                      </a:r>
+                      <a:r>
+                        <a:rPr lang="en-CA" sz="1200" baseline="0" dirty="0" smtClean="0">
+                          <a:solidFill>
+                            <a:schemeClr val="tx1"/>
+                          </a:solidFill>
+                          <a:latin typeface="Raleway SemiBold" charset="0"/>
+                        </a:rPr>
+                        <a:t> Tree Estimator)</a:t>
+                      </a:r>
+                      <a:endParaRPr lang="en-CA" sz="1200" dirty="0">
+                        <a:solidFill>
+                          <a:schemeClr val="tx1"/>
+                        </a:solidFill>
+                        <a:latin typeface="Raleway SemiBold" charset="0"/>
+                      </a:endParaRPr>
+                    </a:p>
+                  </a:txBody>
+                  <a:tcPr anchor="ctr"/>
+                </a:tc>
+                <a:tc>
+                  <a:txBody>
+                    <a:bodyPr/>
+                    <a:lstStyle/>
+                    <a:p>
+                      <a:pPr algn="ctr"/>
+                      <a:r>
+                        <a:rPr lang="en-CA" sz="1200" dirty="0" smtClean="0">
+                          <a:solidFill>
+                            <a:schemeClr val="tx1"/>
+                          </a:solidFill>
+                          <a:latin typeface="Raleway SemiBold" charset="0"/>
+                        </a:rPr>
+                        <a:t>Accuracy</a:t>
+                      </a:r>
+                      <a:endParaRPr lang="en-CA" sz="1200" dirty="0">
+                        <a:solidFill>
+                          <a:schemeClr val="tx1"/>
+                        </a:solidFill>
+                        <a:latin typeface="Raleway SemiBold" charset="0"/>
+                      </a:endParaRPr>
+                    </a:p>
+                  </a:txBody>
+                  <a:tcPr anchor="ctr"/>
+                </a:tc>
+                <a:tc>
+                  <a:txBody>
+                    <a:bodyPr/>
+                    <a:lstStyle/>
+                    <a:p>
+                      <a:pPr algn="ctr"/>
+                      <a:r>
+                        <a:rPr lang="en-CA" sz="1200" dirty="0" smtClean="0">
+                          <a:solidFill>
+                            <a:schemeClr val="tx1"/>
+                          </a:solidFill>
+                          <a:latin typeface="Raleway SemiBold" charset="0"/>
+                        </a:rPr>
+                        <a:t>0.91459</a:t>
+                      </a:r>
+                      <a:endParaRPr lang="en-CA" sz="1200" dirty="0">
+                        <a:solidFill>
+                          <a:schemeClr val="tx1"/>
+                        </a:solidFill>
+                        <a:latin typeface="Raleway SemiBold" charset="0"/>
+                      </a:endParaRPr>
+                    </a:p>
+                  </a:txBody>
+                  <a:tcPr anchor="ctr"/>
+                </a:tc>
+              </a:tr>
+              <a:tr h="676280">
+                <a:tc>
+                  <a:txBody>
+                    <a:bodyPr/>
+                    <a:lstStyle/>
+                    <a:p>
+                      <a:pPr algn="ctr"/>
+                      <a:r>
+                        <a:rPr lang="en-CA" sz="1200" dirty="0" smtClean="0">
+                          <a:latin typeface="Raleway SemiBold" charset="0"/>
+                        </a:rPr>
+                        <a:t>Hot Encoding &amp; Median Imputer</a:t>
+                      </a:r>
+                      <a:endParaRPr lang="en-CA" sz="1200" dirty="0">
+                        <a:latin typeface="Raleway SemiBold" charset="0"/>
+                      </a:endParaRPr>
+                    </a:p>
+                  </a:txBody>
+                  <a:tcPr anchor="ctr"/>
+                </a:tc>
+                <a:tc>
+                  <a:txBody>
+                    <a:bodyPr/>
+                    <a:lstStyle/>
+                    <a:p>
+                      <a:pPr algn="ctr"/>
+                      <a:r>
+                        <a:rPr lang="en-CA" sz="1200" dirty="0" smtClean="0">
+                          <a:latin typeface="Raleway SemiBold" charset="0"/>
+                        </a:rPr>
+                        <a:t>SelectFromModel</a:t>
+                      </a:r>
+                      <a:r>
+                        <a:rPr lang="en-CA" sz="1200" baseline="0" dirty="0" smtClean="0">
+                          <a:latin typeface="Raleway SemiBold" charset="0"/>
+                        </a:rPr>
+                        <a:t> with 0.5*mean threshold</a:t>
+                      </a:r>
+                      <a:endParaRPr lang="en-CA" sz="1200" dirty="0">
+                        <a:latin typeface="Raleway SemiBold" charset="0"/>
+                      </a:endParaRPr>
+                    </a:p>
+                  </a:txBody>
+                  <a:tcPr anchor="ctr"/>
+                </a:tc>
+                <a:tc>
+                  <a:txBody>
+                    <a:bodyPr/>
+                    <a:lstStyle/>
+                    <a:p>
+                      <a:pPr algn="ctr"/>
+                      <a:r>
+                        <a:rPr lang="en-CA" sz="1200" dirty="0" smtClean="0">
+                          <a:latin typeface="Raleway SemiBold" charset="0"/>
+                        </a:rPr>
+                        <a:t>Random Forrest Classifier</a:t>
+                      </a:r>
+                      <a:endParaRPr lang="en-CA" sz="1200" dirty="0">
+                        <a:latin typeface="Raleway SemiBold" charset="0"/>
+                      </a:endParaRPr>
+                    </a:p>
+                  </a:txBody>
+                  <a:tcPr anchor="ctr"/>
+                </a:tc>
+                <a:tc>
+                  <a:txBody>
+                    <a:bodyPr/>
+                    <a:lstStyle/>
+                    <a:p>
+                      <a:pPr algn="ctr"/>
+                      <a:r>
+                        <a:rPr lang="en-CA" sz="1200" dirty="0" smtClean="0">
+                          <a:latin typeface="Raleway SemiBold" charset="0"/>
+                        </a:rPr>
+                        <a:t>Accuracy</a:t>
+                      </a:r>
+                      <a:endParaRPr lang="en-CA" sz="1200" dirty="0">
+                        <a:latin typeface="Raleway SemiBold" charset="0"/>
+                      </a:endParaRPr>
+                    </a:p>
+                  </a:txBody>
+                  <a:tcPr anchor="ctr"/>
+                </a:tc>
+                <a:tc>
+                  <a:txBody>
+                    <a:bodyPr/>
+                    <a:lstStyle/>
+                    <a:p>
+                      <a:pPr algn="ctr"/>
+                      <a:r>
+                        <a:rPr lang="en-CA" sz="1200" dirty="0" smtClean="0">
                           <a:latin typeface="Raleway SemiBold" charset="0"/>
                         </a:rPr>
                         <a:t>0.90054</a:t>
                       </a:r>
-                      <a:endParaRPr lang="en-CA" dirty="0">
+                      <a:endParaRPr lang="en-CA" sz="1200" dirty="0">
                         <a:latin typeface="Raleway SemiBold" charset="0"/>
                       </a:endParaRPr>
                     </a:p>
@@ -7294,18 +7307,18 @@
                     <a:p>
                       <a:pPr algn="ctr"/>
                       <a:r>
-                        <a:rPr lang="en-CA" dirty="0" smtClean="0">
+                        <a:rPr lang="en-CA" sz="1200" dirty="0" smtClean="0">
                           <a:latin typeface="Raleway SemiBold" charset="0"/>
                         </a:rPr>
                         <a:t>Hot Encoding &amp; Median</a:t>
                       </a:r>
                       <a:r>
-                        <a:rPr lang="en-CA" baseline="0" dirty="0" smtClean="0">
+                        <a:rPr lang="en-CA" sz="1200" baseline="0" dirty="0" smtClean="0">
                           <a:latin typeface="Raleway SemiBold" charset="0"/>
                         </a:rPr>
                         <a:t> Imputer</a:t>
                       </a:r>
-                      <a:endParaRPr lang="en-CA" dirty="0">
+                      <a:endParaRPr lang="en-CA" sz="1200" dirty="0">
                         <a:latin typeface="Raleway SemiBold" charset="0"/>
                       </a:endParaRPr>
                     </a:p>
@@ -7319,12 +7332,12 @@
                     <a:p>
                       <a:pPr algn="ctr"/>
                       <a:r>
-                        <a:rPr lang="en-CA" dirty="0" smtClean="0">
+                        <a:rPr lang="en-CA" sz="1200" dirty="0" smtClean="0">
                           <a:latin typeface="Raleway SemiBold" charset="0"/>
                         </a:rPr>
                         <a:t>(Performed by DNN)</a:t>
                       </a:r>
-                      <a:endParaRPr lang="en-CA" dirty="0">
+                      <a:endParaRPr lang="en-CA" sz="1200" dirty="0">
                         <a:latin typeface="Raleway SemiBold" charset="0"/>
                       </a:endParaRPr>
                     </a:p>
@@ -7356,18 +7369,18 @@
                         <a:defRPr/>
                       </a:pPr>
                       <a:r>
-                        <a:rPr lang="en-CA" dirty="0" smtClean="0">
+                        <a:rPr lang="en-CA" sz="1200" dirty="0" smtClean="0">
                           <a:latin typeface="Raleway SemiBold" charset="0"/>
                         </a:rPr>
                         <a:t>Dense</a:t>
                       </a:r>
                       <a:r>
-                        <a:rPr lang="en-CA" baseline="0" dirty="0" smtClean="0">
+                        <a:rPr lang="en-CA" sz="1200" baseline="0" dirty="0" smtClean="0">
                           <a:latin typeface="Raleway SemiBold" charset="0"/>
                         </a:rPr>
                         <a:t> Neural Network Classifier</a:t>
                       </a:r>
-                      <a:endParaRPr lang="en-CA" dirty="0" smtClean="0">
+                      <a:endParaRPr lang="en-CA" sz="1200" dirty="0" smtClean="0">
                         <a:latin typeface="Raleway SemiBold" charset="0"/>
                       </a:endParaRPr>
                     </a:p>
@@ -7381,12 +7394,155 @@
                     <a:p>
                       <a:pPr algn="ctr"/>
                       <a:r>
-                        <a:rPr lang="en-CA" dirty="0" smtClean="0">
+                        <a:rPr lang="en-CA" sz="1200" dirty="0" smtClean="0">
+                          <a:latin typeface="Raleway SemiBold" charset="0"/>
+                        </a:rPr>
+                        <a:t>Accuracy</a:t>
+                      </a:r>
+                      <a:endParaRPr lang="en-CA" sz="1200" dirty="0">
+                        <a:latin typeface="Raleway SemiBold" charset="0"/>
+                      </a:endParaRPr>
+                    </a:p>
+                  </a:txBody>
+                  <a:tcPr anchor="ctr"/>
+                </a:tc>
+                <a:tc>
+                  <a:txBody>
+                    <a:bodyPr/>
+                    <a:lstStyle/>
+                    <a:p>
+                      <a:pPr algn="ctr"/>
+                      <a:r>
+                        <a:rPr lang="en-CA" sz="1200" dirty="0" smtClean="0">
                           <a:latin typeface="Raleway SemiBold" charset="0"/>
                         </a:rPr>
                         <a:t>0.89621</a:t>
                       </a:r>
-                      <a:endParaRPr lang="en-CA" dirty="0">
+                      <a:endParaRPr lang="en-CA" sz="1200" dirty="0">
+                        <a:latin typeface="Raleway SemiBold" charset="0"/>
+                      </a:endParaRPr>
+                    </a:p>
+                  </a:txBody>
+                  <a:tcPr anchor="ctr"/>
+                </a:tc>
+              </a:tr>
+              <a:tr h="370840">
+                <a:tc>
+                  <a:txBody>
+                    <a:bodyPr/>
+                    <a:lstStyle/>
+                    <a:p>
+                      <a:pPr algn="ctr"/>
+                      <a:r>
+                        <a:rPr lang="en-CA" sz="1200" dirty="0" smtClean="0">
+                          <a:latin typeface="Raleway SemiBold" charset="0"/>
+                        </a:rPr>
+                        <a:t>Hot Encoding &amp; Median Imputer</a:t>
+                      </a:r>
+                      <a:endParaRPr lang="en-CA" sz="1200" dirty="0">
+                        <a:latin typeface="Raleway SemiBold" charset="0"/>
+                      </a:endParaRPr>
+                    </a:p>
+                  </a:txBody>
+                  <a:tcPr anchor="ctr"/>
+                </a:tc>
+                <a:tc>
+                  <a:txBody>
+                    <a:bodyPr/>
+                    <a:lstStyle/>
+                    <a:p>
+                      <a:pPr algn="ctr"/>
+                      <a:r>
+                        <a:rPr lang="en-CA" sz="1200" dirty="0" err="1" smtClean="0">
+                          <a:latin typeface="Raleway SemiBold" charset="0"/>
+                        </a:rPr>
+                        <a:t>SelectFromModel</a:t>
+                      </a:r>
+                      <a:r>
+                        <a:rPr lang="en-CA" sz="1200" baseline="0" dirty="0" smtClean="0">
+                          <a:latin typeface="Raleway SemiBold" charset="0"/>
+                        </a:rPr>
+                        <a:t> with 0.75*mean threshold</a:t>
+                      </a:r>
+                      <a:endParaRPr lang="en-CA" sz="1200" dirty="0">
+                        <a:latin typeface="Raleway SemiBold" charset="0"/>
+                      </a:endParaRPr>
+                    </a:p>
+                  </a:txBody>
+                  <a:tcPr anchor="ctr"/>
+                </a:tc>
+                <a:tc>
+                  <a:txBody>
+                    <a:bodyPr/>
+                    <a:lstStyle/>
+                    <a:p>
+                      <a:pPr marL="0" marR="0" indent="0" algn="ctr" defTabSz="914400" rtl="0" eaLnBrk="1" fontAlgn="auto" latinLnBrk="0" hangingPunct="1">
+                        <a:lnSpc>
+                          <a:spcPct val="100000"/>
+                        </a:lnSpc>
+                        <a:spcBef>
+                          <a:spcPts val="0"/>
+                        </a:spcBef>
+                        <a:spcAft>
+                          <a:spcPts val="0"/>
+                        </a:spcAft>
+                        <a:buClr>
+                          <a:srgbClr val="000000"/>
+                        </a:buClr>
+                        <a:buSzTx/>
+                        <a:buFont typeface="Arial"/>
+                        <a:buNone/>
+                        <a:tabLst/>
+                        <a:defRPr/>
+                      </a:pPr>
+                      <a:r>
+                        <a:rPr lang="en-CA" sz="1200" dirty="0" smtClean="0">
+                          <a:latin typeface="Raleway SemiBold" charset="0"/>
+                        </a:rPr>
+                        <a:t>Gradient Boosting Classifier</a:t>
+                      </a:r>
+                    </a:p>
+                  </a:txBody>
+                  <a:tcPr anchor="ctr"/>
+                </a:tc>
+                <a:tc>
+                  <a:txBody>
+                    <a:bodyPr/>
+                    <a:lstStyle/>
+                    <a:p>
+                      <a:pPr algn="ctr"/>
+                      <a:r>
+                        <a:rPr lang="en-CA" sz="1200" dirty="0" smtClean="0">
+                          <a:latin typeface="Raleway SemiBold" charset="0"/>
+                        </a:rPr>
+                        <a:t>F2 Score</a:t>
+                      </a:r>
+                      <a:endParaRPr lang="en-CA" sz="1200" dirty="0">
+                        <a:latin typeface="Raleway SemiBold" charset="0"/>
+                      </a:endParaRPr>
+                    </a:p>
+                  </a:txBody>
+                  <a:tcPr anchor="ctr"/>
+                </a:tc>
+                <a:tc>
+                  <a:txBody>
+                    <a:bodyPr/>
+                    <a:lstStyle/>
+                    <a:p>
+                      <a:pPr algn="ctr"/>
+                      <a:r>
+                        <a:rPr lang="en-CA" sz="1200" dirty="0" err="1" smtClean="0">
+                          <a:latin typeface="Raleway SemiBold" charset="0"/>
+                        </a:rPr>
+                        <a:t>Prec</a:t>
+                      </a:r>
+                      <a:r>
+                        <a:rPr lang="en-CA" sz="1200" dirty="0" smtClean="0">
+                          <a:latin typeface="Raleway SemiBold" charset="0"/>
+                        </a:rPr>
+                        <a:t>: 0.724299  Rec: 0.612648  F2: 0.632137</a:t>
+                      </a:r>
+                      <a:endParaRPr lang="en-CA" sz="1200" dirty="0">
                         <a:latin typeface="Raleway SemiBold" charset="0"/>
                       </a:endParaRPr>
                     </a:p>
@@ -7534,7 +7690,6 @@
               <a:rPr lang="en-CA" b="1" dirty="0" smtClean="0"/>
               <a:t>OR</a:t>
             </a:r>
-            <a:endParaRPr lang="en-CA" b="1" dirty="0" smtClean="0"/>
           </a:p>
           <a:p>
             <a:r>
